--- a/PPTs/00 Introduction.pptx
+++ b/PPTs/00 Introduction.pptx
@@ -214,7 +214,7 @@
           <a:p>
             <a:fld id="{AF4A1F75-D304-4F3B-9E9A-D4B6533CA397}" type="datetimeFigureOut">
               <a:rPr lang="en-US" smtClean="0"/>
-              <a:t>3/15/2018</a:t>
+              <a:t>4/12/2018</a:t>
             </a:fld>
             <a:endParaRPr lang="en-US"/>
           </a:p>
@@ -832,7 +832,7 @@
           <a:p>
             <a:fld id="{1D8BD707-D9CF-40AE-B4C6-C98DA3205C09}" type="datetimeFigureOut">
               <a:rPr lang="en-US"/>
-              <a:t>3/15/2018</a:t>
+              <a:t>4/12/2018</a:t>
             </a:fld>
             <a:endParaRPr lang="en-US"/>
           </a:p>
@@ -1013,7 +1013,7 @@
           <a:p>
             <a:fld id="{1D8BD707-D9CF-40AE-B4C6-C98DA3205C09}" type="datetimeFigureOut">
               <a:rPr lang="en-US"/>
-              <a:t>3/15/2018</a:t>
+              <a:t>4/12/2018</a:t>
             </a:fld>
             <a:endParaRPr lang="en-US"/>
           </a:p>
@@ -1325,7 +1325,7 @@
           <a:p>
             <a:fld id="{1D8BD707-D9CF-40AE-B4C6-C98DA3205C09}" type="datetimeFigureOut">
               <a:rPr lang="en-US"/>
-              <a:t>3/15/2018</a:t>
+              <a:t>4/12/2018</a:t>
             </a:fld>
             <a:endParaRPr lang="en-US"/>
           </a:p>
@@ -1687,7 +1687,7 @@
           <a:p>
             <a:fld id="{1D8BD707-D9CF-40AE-B4C6-C98DA3205C09}" type="datetimeFigureOut">
               <a:rPr lang="en-US"/>
-              <a:t>3/15/2018</a:t>
+              <a:t>4/12/2018</a:t>
             </a:fld>
             <a:endParaRPr lang="en-US"/>
           </a:p>
@@ -1812,7 +1812,7 @@
           <a:p>
             <a:fld id="{1D8BD707-D9CF-40AE-B4C6-C98DA3205C09}" type="datetimeFigureOut">
               <a:rPr lang="en-US"/>
-              <a:t>3/15/2018</a:t>
+              <a:t>4/12/2018</a:t>
             </a:fld>
             <a:endParaRPr lang="en-US"/>
           </a:p>
@@ -2141,7 +2141,7 @@
           <a:p>
             <a:fld id="{1D8BD707-D9CF-40AE-B4C6-C98DA3205C09}" type="datetimeFigureOut">
               <a:rPr lang="en-US"/>
-              <a:t>3/15/2018</a:t>
+              <a:t>4/12/2018</a:t>
             </a:fld>
             <a:endParaRPr lang="en-US"/>
           </a:p>
@@ -5532,14 +5532,11 @@
                 <a:latin typeface="Tw Cen MT"/>
                 <a:cs typeface="Tw Cen MT"/>
               </a:rPr>
-              <a:t>Communicate with Database</a:t>
+              <a:t>Socket.IO</a:t>
             </a:r>
           </a:p>
           <a:p>
             <a:pPr marL="332740" indent="-320040" algn="l" rtl="0">
-              <a:lnSpc>
-                <a:spcPct val="100000"/>
-              </a:lnSpc>
               <a:spcBef>
                 <a:spcPts val="95"/>
               </a:spcBef>
@@ -5559,7 +5556,7 @@
                 <a:latin typeface="Tw Cen MT"/>
                 <a:cs typeface="Tw Cen MT"/>
               </a:rPr>
-              <a:t>Socket.IO</a:t>
+              <a:t>Communicate with Database</a:t>
             </a:r>
           </a:p>
         </p:txBody>
